--- a/src/main/doc/papers/acta/dci/figures.pptx
+++ b/src/main/doc/papers/acta/dci/figures.pptx
@@ -4232,6 +4232,104 @@
             <a:r>
               <a:rPr lang="en-US" dirty="0" err="1" smtClean="0"/>
               <a:t>SavingsAccount</a:t>
+            </a:r>
+            <a:endParaRPr lang="en-US" dirty="0"/>
+          </a:p>
+        </p:txBody>
+      </p:sp>
+      <p:sp>
+        <p:nvSpPr>
+          <p:cNvPr id="20" name="Rectangle 19"/>
+          <p:cNvSpPr/>
+          <p:nvPr/>
+        </p:nvSpPr>
+        <p:spPr>
+          <a:xfrm>
+            <a:off x="4963224" y="4227045"/>
+            <a:ext cx="2599095" cy="740623"/>
+          </a:xfrm>
+          <a:prstGeom prst="rect">
+            <a:avLst/>
+          </a:prstGeom>
+        </p:spPr>
+        <p:style>
+          <a:lnRef idx="2">
+            <a:schemeClr val="dk1"/>
+          </a:lnRef>
+          <a:fillRef idx="1">
+            <a:schemeClr val="lt1"/>
+          </a:fillRef>
+          <a:effectRef idx="0">
+            <a:schemeClr val="dk1"/>
+          </a:effectRef>
+          <a:fontRef idx="minor">
+            <a:schemeClr val="dk1"/>
+          </a:fontRef>
+        </p:style>
+        <p:txBody>
+          <a:bodyPr rtlCol="0" anchor="ctr"/>
+          <a:lstStyle/>
+          <a:p>
+            <a:endParaRPr lang="en-US" dirty="0" smtClean="0"/>
+          </a:p>
+          <a:p>
+            <a:r>
+              <a:rPr lang="en-US" i="1" dirty="0" smtClean="0"/>
+              <a:t>overrides</a:t>
+            </a:r>
+            <a:r>
+              <a:rPr lang="en-US" dirty="0" smtClean="0"/>
+              <a:t> deposit()</a:t>
+            </a:r>
+            <a:endParaRPr lang="en-US" dirty="0" smtClean="0"/>
+          </a:p>
+        </p:txBody>
+      </p:sp>
+      <p:sp>
+        <p:nvSpPr>
+          <p:cNvPr id="21" name="Rectangle 20"/>
+          <p:cNvSpPr/>
+          <p:nvPr/>
+        </p:nvSpPr>
+        <p:spPr>
+          <a:xfrm>
+            <a:off x="4963224" y="3615647"/>
+            <a:ext cx="2599095" cy="611398"/>
+          </a:xfrm>
+          <a:prstGeom prst="rect">
+            <a:avLst/>
+          </a:prstGeom>
+        </p:spPr>
+        <p:style>
+          <a:lnRef idx="2">
+            <a:schemeClr val="dk1"/>
+          </a:lnRef>
+          <a:fillRef idx="1">
+            <a:schemeClr val="lt1"/>
+          </a:fillRef>
+          <a:effectRef idx="0">
+            <a:schemeClr val="dk1"/>
+          </a:effectRef>
+          <a:fontRef idx="minor">
+            <a:schemeClr val="dk1"/>
+          </a:fontRef>
+        </p:style>
+        <p:txBody>
+          <a:bodyPr rtlCol="0" anchor="ctr"/>
+          <a:lstStyle/>
+          <a:p>
+            <a:pPr algn="ctr"/>
+            <a:r>
+              <a:rPr lang="en-US" dirty="0" err="1" smtClean="0"/>
+              <a:t>BlockedAccount</a:t>
+            </a:r>
+            <a:endParaRPr lang="en-US" dirty="0" smtClean="0"/>
+          </a:p>
+          <a:p>
+            <a:pPr algn="ctr"/>
+            <a:r>
+              <a:rPr lang="en-US" dirty="0" smtClean="0"/>
+              <a:t>&lt;&lt;fragment&gt;&gt;</a:t>
             </a:r>
             <a:endParaRPr lang="en-US" dirty="0"/>
           </a:p>
